--- a/Präsentation/büchern.de.pptx
+++ b/Präsentation/büchern.de.pptx
@@ -295,7 +295,7 @@
           <a:p>
             <a:fld id="{4112805E-D1F3-49A5-9D37-33439B0F941D}" type="datetimeFigureOut">
               <a:rPr lang="de-DE" smtClean="0"/>
-              <a:t>08.01.2015</a:t>
+              <a:t>12.01.2015</a:t>
             </a:fld>
             <a:endParaRPr lang="de-DE"/>
           </a:p>
@@ -337,7 +337,7 @@
           <a:p>
             <a:fld id="{B8193B52-D3B7-4508-8ECE-58D3F754E51B}" type="slidenum">
               <a:rPr lang="de-DE" smtClean="0"/>
-              <a:t>‹#›</a:t>
+              <a:t>‹Nr.›</a:t>
             </a:fld>
             <a:endParaRPr lang="de-DE"/>
           </a:p>
@@ -460,7 +460,7 @@
           <a:p>
             <a:fld id="{4112805E-D1F3-49A5-9D37-33439B0F941D}" type="datetimeFigureOut">
               <a:rPr lang="de-DE" smtClean="0"/>
-              <a:t>08.01.2015</a:t>
+              <a:t>12.01.2015</a:t>
             </a:fld>
             <a:endParaRPr lang="de-DE"/>
           </a:p>
@@ -502,7 +502,7 @@
           <a:p>
             <a:fld id="{B8193B52-D3B7-4508-8ECE-58D3F754E51B}" type="slidenum">
               <a:rPr lang="de-DE" smtClean="0"/>
-              <a:t>‹#›</a:t>
+              <a:t>‹Nr.›</a:t>
             </a:fld>
             <a:endParaRPr lang="de-DE"/>
           </a:p>
@@ -635,7 +635,7 @@
           <a:p>
             <a:fld id="{4112805E-D1F3-49A5-9D37-33439B0F941D}" type="datetimeFigureOut">
               <a:rPr lang="de-DE" smtClean="0"/>
-              <a:t>08.01.2015</a:t>
+              <a:t>12.01.2015</a:t>
             </a:fld>
             <a:endParaRPr lang="de-DE"/>
           </a:p>
@@ -677,7 +677,7 @@
           <a:p>
             <a:fld id="{B8193B52-D3B7-4508-8ECE-58D3F754E51B}" type="slidenum">
               <a:rPr lang="de-DE" smtClean="0"/>
-              <a:t>‹#›</a:t>
+              <a:t>‹Nr.›</a:t>
             </a:fld>
             <a:endParaRPr lang="de-DE"/>
           </a:p>
@@ -800,7 +800,7 @@
           <a:p>
             <a:fld id="{4112805E-D1F3-49A5-9D37-33439B0F941D}" type="datetimeFigureOut">
               <a:rPr lang="de-DE" smtClean="0"/>
-              <a:t>08.01.2015</a:t>
+              <a:t>12.01.2015</a:t>
             </a:fld>
             <a:endParaRPr lang="de-DE"/>
           </a:p>
@@ -842,7 +842,7 @@
           <a:p>
             <a:fld id="{B8193B52-D3B7-4508-8ECE-58D3F754E51B}" type="slidenum">
               <a:rPr lang="de-DE" smtClean="0"/>
-              <a:t>‹#›</a:t>
+              <a:t>‹Nr.›</a:t>
             </a:fld>
             <a:endParaRPr lang="de-DE"/>
           </a:p>
@@ -1041,7 +1041,7 @@
           <a:p>
             <a:fld id="{4112805E-D1F3-49A5-9D37-33439B0F941D}" type="datetimeFigureOut">
               <a:rPr lang="de-DE" smtClean="0"/>
-              <a:t>08.01.2015</a:t>
+              <a:t>12.01.2015</a:t>
             </a:fld>
             <a:endParaRPr lang="de-DE"/>
           </a:p>
@@ -1083,7 +1083,7 @@
           <a:p>
             <a:fld id="{B8193B52-D3B7-4508-8ECE-58D3F754E51B}" type="slidenum">
               <a:rPr lang="de-DE" smtClean="0"/>
-              <a:t>‹#›</a:t>
+              <a:t>‹Nr.›</a:t>
             </a:fld>
             <a:endParaRPr lang="de-DE"/>
           </a:p>
@@ -1324,7 +1324,7 @@
           <a:p>
             <a:fld id="{4112805E-D1F3-49A5-9D37-33439B0F941D}" type="datetimeFigureOut">
               <a:rPr lang="de-DE" smtClean="0"/>
-              <a:t>08.01.2015</a:t>
+              <a:t>12.01.2015</a:t>
             </a:fld>
             <a:endParaRPr lang="de-DE"/>
           </a:p>
@@ -1366,7 +1366,7 @@
           <a:p>
             <a:fld id="{B8193B52-D3B7-4508-8ECE-58D3F754E51B}" type="slidenum">
               <a:rPr lang="de-DE" smtClean="0"/>
-              <a:t>‹#›</a:t>
+              <a:t>‹Nr.›</a:t>
             </a:fld>
             <a:endParaRPr lang="de-DE"/>
           </a:p>
@@ -1741,7 +1741,7 @@
           <a:p>
             <a:fld id="{4112805E-D1F3-49A5-9D37-33439B0F941D}" type="datetimeFigureOut">
               <a:rPr lang="de-DE" smtClean="0"/>
-              <a:t>08.01.2015</a:t>
+              <a:t>12.01.2015</a:t>
             </a:fld>
             <a:endParaRPr lang="de-DE"/>
           </a:p>
@@ -1783,7 +1783,7 @@
           <a:p>
             <a:fld id="{B8193B52-D3B7-4508-8ECE-58D3F754E51B}" type="slidenum">
               <a:rPr lang="de-DE" smtClean="0"/>
-              <a:t>‹#›</a:t>
+              <a:t>‹Nr.›</a:t>
             </a:fld>
             <a:endParaRPr lang="de-DE"/>
           </a:p>
@@ -1854,7 +1854,7 @@
           <a:p>
             <a:fld id="{4112805E-D1F3-49A5-9D37-33439B0F941D}" type="datetimeFigureOut">
               <a:rPr lang="de-DE" smtClean="0"/>
-              <a:t>08.01.2015</a:t>
+              <a:t>12.01.2015</a:t>
             </a:fld>
             <a:endParaRPr lang="de-DE"/>
           </a:p>
@@ -1896,7 +1896,7 @@
           <a:p>
             <a:fld id="{B8193B52-D3B7-4508-8ECE-58D3F754E51B}" type="slidenum">
               <a:rPr lang="de-DE" smtClean="0"/>
-              <a:t>‹#›</a:t>
+              <a:t>‹Nr.›</a:t>
             </a:fld>
             <a:endParaRPr lang="de-DE"/>
           </a:p>
@@ -1944,7 +1944,7 @@
           <a:p>
             <a:fld id="{4112805E-D1F3-49A5-9D37-33439B0F941D}" type="datetimeFigureOut">
               <a:rPr lang="de-DE" smtClean="0"/>
-              <a:t>08.01.2015</a:t>
+              <a:t>12.01.2015</a:t>
             </a:fld>
             <a:endParaRPr lang="de-DE"/>
           </a:p>
@@ -1986,7 +1986,7 @@
           <a:p>
             <a:fld id="{B8193B52-D3B7-4508-8ECE-58D3F754E51B}" type="slidenum">
               <a:rPr lang="de-DE" smtClean="0"/>
-              <a:t>‹#›</a:t>
+              <a:t>‹Nr.›</a:t>
             </a:fld>
             <a:endParaRPr lang="de-DE"/>
           </a:p>
@@ -2216,7 +2216,7 @@
           <a:p>
             <a:fld id="{4112805E-D1F3-49A5-9D37-33439B0F941D}" type="datetimeFigureOut">
               <a:rPr lang="de-DE" smtClean="0"/>
-              <a:t>08.01.2015</a:t>
+              <a:t>12.01.2015</a:t>
             </a:fld>
             <a:endParaRPr lang="de-DE"/>
           </a:p>
@@ -2258,7 +2258,7 @@
           <a:p>
             <a:fld id="{B8193B52-D3B7-4508-8ECE-58D3F754E51B}" type="slidenum">
               <a:rPr lang="de-DE" smtClean="0"/>
-              <a:t>‹#›</a:t>
+              <a:t>‹Nr.›</a:t>
             </a:fld>
             <a:endParaRPr lang="de-DE"/>
           </a:p>
@@ -2464,7 +2464,7 @@
           <a:p>
             <a:fld id="{4112805E-D1F3-49A5-9D37-33439B0F941D}" type="datetimeFigureOut">
               <a:rPr lang="de-DE" smtClean="0"/>
-              <a:t>08.01.2015</a:t>
+              <a:t>12.01.2015</a:t>
             </a:fld>
             <a:endParaRPr lang="de-DE"/>
           </a:p>
@@ -2506,7 +2506,7 @@
           <a:p>
             <a:fld id="{B8193B52-D3B7-4508-8ECE-58D3F754E51B}" type="slidenum">
               <a:rPr lang="de-DE" smtClean="0"/>
-              <a:t>‹#›</a:t>
+              <a:t>‹Nr.›</a:t>
             </a:fld>
             <a:endParaRPr lang="de-DE"/>
           </a:p>
@@ -2672,7 +2672,7 @@
           <a:p>
             <a:fld id="{4112805E-D1F3-49A5-9D37-33439B0F941D}" type="datetimeFigureOut">
               <a:rPr lang="de-DE" smtClean="0"/>
-              <a:t>08.01.2015</a:t>
+              <a:t>12.01.2015</a:t>
             </a:fld>
             <a:endParaRPr lang="de-DE"/>
           </a:p>
@@ -2750,7 +2750,7 @@
           <a:p>
             <a:fld id="{B8193B52-D3B7-4508-8ECE-58D3F754E51B}" type="slidenum">
               <a:rPr lang="de-DE" smtClean="0"/>
-              <a:t>‹#›</a:t>
+              <a:t>‹Nr.›</a:t>
             </a:fld>
             <a:endParaRPr lang="de-DE"/>
           </a:p>
@@ -3457,7 +3457,6 @@
               <a:rPr lang="de-DE" dirty="0" smtClean="0"/>
               <a:t>Das Team</a:t>
             </a:r>
-            <a:endParaRPr lang="de-DE" dirty="0" smtClean="0"/>
           </a:p>
         </p:txBody>
       </p:sp>
@@ -4221,7 +4220,6 @@
               <a:rPr lang="de-DE" dirty="0" smtClean="0"/>
               <a:t>Die Idee – Produktstrategie</a:t>
             </a:r>
-            <a:endParaRPr lang="de-DE" dirty="0" smtClean="0"/>
           </a:p>
         </p:txBody>
       </p:sp>
@@ -4372,7 +4370,6 @@
               <a:rPr lang="de-DE" dirty="0" smtClean="0"/>
               <a:t>Erste Planung – Mockup</a:t>
             </a:r>
-            <a:endParaRPr lang="de-DE" dirty="0" smtClean="0"/>
           </a:p>
         </p:txBody>
       </p:sp>
@@ -4384,9 +4381,9 @@
         </p:nvGrpSpPr>
         <p:grpSpPr>
           <a:xfrm>
-            <a:off x="571472" y="1357298"/>
+            <a:off x="323528" y="1743509"/>
             <a:ext cx="7929618" cy="5156931"/>
-            <a:chOff x="642910" y="1285860"/>
+            <a:chOff x="394966" y="1672071"/>
             <a:chExt cx="7929618" cy="5156931"/>
           </a:xfrm>
         </p:grpSpPr>
@@ -4407,7 +4404,7 @@
           </p:blipFill>
           <p:spPr bwMode="auto">
             <a:xfrm>
-              <a:off x="642910" y="1285860"/>
+              <a:off x="394966" y="1672071"/>
               <a:ext cx="7929618" cy="5156931"/>
             </a:xfrm>
             <a:prstGeom prst="rect">
@@ -4634,6 +4631,38 @@
           </p:style>
         </p:cxnSp>
       </p:grpSp>
+      <p:sp>
+        <p:nvSpPr>
+          <p:cNvPr id="3" name="Textfeld 2"/>
+          <p:cNvSpPr txBox="1"/>
+          <p:nvPr/>
+        </p:nvSpPr>
+        <p:spPr>
+          <a:xfrm>
+            <a:off x="1044000" y="5780003"/>
+            <a:ext cx="431656" cy="169277"/>
+          </a:xfrm>
+          <a:prstGeom prst="rect">
+            <a:avLst/>
+          </a:prstGeom>
+          <a:solidFill>
+            <a:schemeClr val="bg1"/>
+          </a:solidFill>
+        </p:spPr>
+        <p:txBody>
+          <a:bodyPr wrap="square" lIns="0" tIns="0" rIns="0" bIns="0" rtlCol="0">
+            <a:spAutoFit/>
+          </a:bodyPr>
+          <a:lstStyle/>
+          <a:p>
+            <a:r>
+              <a:rPr lang="de-DE" sz="1100" dirty="0" smtClean="0"/>
+              <a:t> Kachel</a:t>
+            </a:r>
+            <a:endParaRPr lang="de-DE" sz="1100" dirty="0"/>
+          </a:p>
+        </p:txBody>
+      </p:sp>
     </p:spTree>
   </p:cSld>
   <p:clrMapOvr>
@@ -4679,7 +4708,6 @@
               <a:rPr lang="de-DE" dirty="0" smtClean="0"/>
               <a:t>Erste Planung – Mockup</a:t>
             </a:r>
-            <a:endParaRPr lang="de-DE" dirty="0" smtClean="0"/>
           </a:p>
         </p:txBody>
       </p:sp>
